--- a/Project-One-Powerpoint.pptx
+++ b/Project-One-Powerpoint.pptx
@@ -12,13 +12,13 @@
     <p:sldId id="257" r:id="rId3"/>
     <p:sldId id="258" r:id="rId4"/>
     <p:sldId id="259" r:id="rId5"/>
-    <p:sldId id="260" r:id="rId6"/>
-    <p:sldId id="284" r:id="rId7"/>
-    <p:sldId id="261" r:id="rId8"/>
-    <p:sldId id="262" r:id="rId9"/>
-    <p:sldId id="286" r:id="rId10"/>
-    <p:sldId id="289" r:id="rId11"/>
-    <p:sldId id="287" r:id="rId12"/>
+    <p:sldId id="287" r:id="rId6"/>
+    <p:sldId id="260" r:id="rId7"/>
+    <p:sldId id="284" r:id="rId8"/>
+    <p:sldId id="261" r:id="rId9"/>
+    <p:sldId id="262" r:id="rId10"/>
+    <p:sldId id="286" r:id="rId11"/>
+    <p:sldId id="289" r:id="rId12"/>
     <p:sldId id="288" r:id="rId13"/>
   </p:sldIdLst>
   <p:sldSz cx="9144000" cy="5143500" type="screen16x9"/>
@@ -4781,6 +4781,169 @@
               <a:rPr lang="en-US" dirty="0">
                 <a:latin typeface="Raleway" panose="020B0604020202020204" charset="0"/>
               </a:rPr>
+              <a:t>JavaScript | Modal</a:t>
+            </a:r>
+            <a:endParaRPr dirty="0"/>
+          </a:p>
+        </p:txBody>
+      </p:sp>
+      <p:sp>
+        <p:nvSpPr>
+          <p:cNvPr id="149" name="Google Shape;149;p18"/>
+          <p:cNvSpPr txBox="1">
+            <a:spLocks noGrp="1"/>
+          </p:cNvSpPr>
+          <p:nvPr>
+            <p:ph type="sldNum" idx="12"/>
+          </p:nvPr>
+        </p:nvSpPr>
+        <p:spPr>
+          <a:prstGeom prst="rect">
+            <a:avLst/>
+          </a:prstGeom>
+        </p:spPr>
+        <p:txBody>
+          <a:bodyPr spcFirstLastPara="1" wrap="square" lIns="91425" tIns="91425" rIns="91425" bIns="91425" anchor="b" anchorCtr="0">
+            <a:noAutofit/>
+          </a:bodyPr>
+          <a:lstStyle/>
+          <a:p>
+            <a:pPr marL="0" lvl="0" indent="0" algn="l" rtl="0">
+              <a:spcBef>
+                <a:spcPts val="0"/>
+              </a:spcBef>
+              <a:spcAft>
+                <a:spcPts val="0"/>
+              </a:spcAft>
+              <a:buNone/>
+            </a:pPr>
+            <a:fld id="{00000000-1234-1234-1234-123412341234}" type="slidenum">
+              <a:rPr lang="en"/>
+              <a:t>10</a:t>
+            </a:fld>
+            <a:endParaRPr/>
+          </a:p>
+        </p:txBody>
+      </p:sp>
+    </p:spTree>
+    <p:extLst>
+      <p:ext uri="{BB962C8B-B14F-4D97-AF65-F5344CB8AC3E}">
+        <p14:creationId xmlns:p14="http://schemas.microsoft.com/office/powerpoint/2010/main" val="267427859"/>
+      </p:ext>
+    </p:extLst>
+  </p:cSld>
+  <p:clrMapOvr>
+    <a:masterClrMapping/>
+  </p:clrMapOvr>
+</p:sld>
+</file>
+
+<file path=ppt/slides/slide11.xml><?xml version="1.0" encoding="utf-8"?>
+<p:sld xmlns:a="http://schemas.openxmlformats.org/drawingml/2006/main" xmlns:r="http://schemas.openxmlformats.org/officeDocument/2006/relationships" xmlns:p="http://schemas.openxmlformats.org/presentationml/2006/main">
+  <p:cSld>
+    <p:spTree>
+      <p:nvGrpSpPr>
+        <p:cNvPr id="1" name="Shape 146"/>
+        <p:cNvGrpSpPr/>
+        <p:nvPr/>
+      </p:nvGrpSpPr>
+      <p:grpSpPr>
+        <a:xfrm>
+          <a:off x="0" y="0"/>
+          <a:ext cx="0" cy="0"/>
+          <a:chOff x="0" y="0"/>
+          <a:chExt cx="0" cy="0"/>
+        </a:xfrm>
+      </p:grpSpPr>
+      <p:sp>
+        <p:nvSpPr>
+          <p:cNvPr id="147" name="Google Shape;147;p18"/>
+          <p:cNvSpPr txBox="1">
+            <a:spLocks noGrp="1"/>
+          </p:cNvSpPr>
+          <p:nvPr>
+            <p:ph type="title"/>
+          </p:nvPr>
+        </p:nvSpPr>
+        <p:spPr>
+          <a:xfrm>
+            <a:off x="457199" y="1146025"/>
+            <a:ext cx="2466753" cy="816300"/>
+          </a:xfrm>
+          <a:prstGeom prst="rect">
+            <a:avLst/>
+          </a:prstGeom>
+        </p:spPr>
+        <p:txBody>
+          <a:bodyPr spcFirstLastPara="1" wrap="square" lIns="91425" tIns="91425" rIns="91425" bIns="91425" anchor="t" anchorCtr="0">
+            <a:noAutofit/>
+          </a:bodyPr>
+          <a:lstStyle/>
+          <a:p>
+            <a:pPr marL="0" lvl="0" indent="0" algn="l" rtl="0">
+              <a:spcBef>
+                <a:spcPts val="0"/>
+              </a:spcBef>
+              <a:spcAft>
+                <a:spcPts val="0"/>
+              </a:spcAft>
+              <a:buNone/>
+            </a:pPr>
+            <a:r>
+              <a:rPr lang="en-US" sz="2000" dirty="0">
+                <a:latin typeface="Raleway" panose="020B0604020202020204" charset="0"/>
+              </a:rPr>
+              <a:t>The Design</a:t>
+            </a:r>
+            <a:br>
+              <a:rPr lang="en-US" sz="2000" dirty="0">
+                <a:latin typeface="Raleway" panose="020B0604020202020204" charset="0"/>
+              </a:rPr>
+            </a:br>
+            <a:r>
+              <a:rPr lang="en-US" sz="2000" dirty="0">
+                <a:latin typeface="Raleway" panose="020B0604020202020204" charset="0"/>
+              </a:rPr>
+              <a:t>Process</a:t>
+            </a:r>
+            <a:endParaRPr sz="2000" dirty="0">
+              <a:latin typeface="Raleway" panose="020B0604020202020204" charset="0"/>
+            </a:endParaRPr>
+          </a:p>
+        </p:txBody>
+      </p:sp>
+      <p:sp>
+        <p:nvSpPr>
+          <p:cNvPr id="148" name="Google Shape;148;p18"/>
+          <p:cNvSpPr txBox="1">
+            <a:spLocks noGrp="1"/>
+          </p:cNvSpPr>
+          <p:nvPr>
+            <p:ph type="body" idx="1"/>
+          </p:nvPr>
+        </p:nvSpPr>
+        <p:spPr>
+          <a:xfrm>
+            <a:off x="2923952" y="2571749"/>
+            <a:ext cx="5540497" cy="2121775"/>
+          </a:xfrm>
+          <a:prstGeom prst="rect">
+            <a:avLst/>
+          </a:prstGeom>
+        </p:spPr>
+        <p:txBody>
+          <a:bodyPr spcFirstLastPara="1" wrap="square" lIns="91425" tIns="91425" rIns="91425" bIns="91425" anchor="t" anchorCtr="0">
+            <a:noAutofit/>
+          </a:bodyPr>
+          <a:lstStyle/>
+          <a:p>
+            <a:pPr marL="0" lvl="0" indent="0">
+              <a:buNone/>
+            </a:pPr>
+            <a:r>
+              <a:rPr lang="en-US" dirty="0">
+                <a:latin typeface="Raleway" panose="020B0604020202020204" charset="0"/>
+              </a:rPr>
               <a:t>Firebase</a:t>
             </a:r>
             <a:endParaRPr dirty="0"/>
@@ -4819,7 +4982,7 @@
             </a:pPr>
             <a:fld id="{00000000-1234-1234-1234-123412341234}" type="slidenum">
               <a:rPr lang="en"/>
-              <a:t>10</a:t>
+              <a:t>11</a:t>
             </a:fld>
             <a:endParaRPr/>
           </a:p>
@@ -4838,7 +5001,729 @@
 </p:sld>
 </file>
 
-<file path=ppt/slides/slide11.xml><?xml version="1.0" encoding="utf-8"?>
+<file path=ppt/slides/slide12.xml><?xml version="1.0" encoding="utf-8"?>
+<p:sld xmlns:a="http://schemas.openxmlformats.org/drawingml/2006/main" xmlns:r="http://schemas.openxmlformats.org/officeDocument/2006/relationships" xmlns:p="http://schemas.openxmlformats.org/presentationml/2006/main">
+  <p:cSld>
+    <p:spTree>
+      <p:nvGrpSpPr>
+        <p:cNvPr id="1" name=""/>
+        <p:cNvGrpSpPr/>
+        <p:nvPr/>
+      </p:nvGrpSpPr>
+      <p:grpSpPr>
+        <a:xfrm>
+          <a:off x="0" y="0"/>
+          <a:ext cx="0" cy="0"/>
+          <a:chOff x="0" y="0"/>
+          <a:chExt cx="0" cy="0"/>
+        </a:xfrm>
+      </p:grpSpPr>
+      <p:sp>
+        <p:nvSpPr>
+          <p:cNvPr id="2" name="Title 1">
+            <a:extLst>
+              <a:ext uri="{FF2B5EF4-FFF2-40B4-BE49-F238E27FC236}">
+                <a16:creationId xmlns:a16="http://schemas.microsoft.com/office/drawing/2014/main" id="{7F02B51B-A59B-4428-B9A4-2A788CF198AD}"/>
+              </a:ext>
+            </a:extLst>
+          </p:cNvPr>
+          <p:cNvSpPr>
+            <a:spLocks noGrp="1"/>
+          </p:cNvSpPr>
+          <p:nvPr>
+            <p:ph type="title"/>
+          </p:nvPr>
+        </p:nvSpPr>
+        <p:spPr/>
+        <p:txBody>
+          <a:bodyPr/>
+          <a:lstStyle/>
+          <a:p>
+            <a:r>
+              <a:rPr lang="en-US" sz="2000" dirty="0">
+                <a:latin typeface="Raleway" panose="020B0604020202020204" charset="0"/>
+              </a:rPr>
+              <a:t>Future Development</a:t>
+            </a:r>
+          </a:p>
+        </p:txBody>
+      </p:sp>
+      <p:sp>
+        <p:nvSpPr>
+          <p:cNvPr id="3" name="Text Placeholder 2">
+            <a:extLst>
+              <a:ext uri="{FF2B5EF4-FFF2-40B4-BE49-F238E27FC236}">
+                <a16:creationId xmlns:a16="http://schemas.microsoft.com/office/drawing/2014/main" id="{8720B020-ACBA-4E6F-9847-14BD78AF39D1}"/>
+              </a:ext>
+            </a:extLst>
+          </p:cNvPr>
+          <p:cNvSpPr>
+            <a:spLocks noGrp="1"/>
+          </p:cNvSpPr>
+          <p:nvPr>
+            <p:ph type="body" idx="1"/>
+          </p:nvPr>
+        </p:nvSpPr>
+        <p:spPr/>
+        <p:txBody>
+          <a:bodyPr/>
+          <a:lstStyle/>
+          <a:p>
+            <a:pPr marL="76200" indent="0">
+              <a:buNone/>
+            </a:pPr>
+            <a:r>
+              <a:rPr lang="en-US" dirty="0"/>
+              <a:t>We would like to expand our project to make it more useful for an individual by implementing authentication so the user's session will truly be their own.</a:t>
+            </a:r>
+          </a:p>
+          <a:p>
+            <a:pPr marL="76200" indent="0">
+              <a:buNone/>
+            </a:pPr>
+            <a:r>
+              <a:rPr lang="en-US" dirty="0"/>
+              <a:t>We would also like to make more search results available.</a:t>
+            </a:r>
+          </a:p>
+        </p:txBody>
+      </p:sp>
+      <p:sp>
+        <p:nvSpPr>
+          <p:cNvPr id="4" name="Slide Number Placeholder 3">
+            <a:extLst>
+              <a:ext uri="{FF2B5EF4-FFF2-40B4-BE49-F238E27FC236}">
+                <a16:creationId xmlns:a16="http://schemas.microsoft.com/office/drawing/2014/main" id="{78CEC222-4CCC-47F4-8C1D-533E3EC23524}"/>
+              </a:ext>
+            </a:extLst>
+          </p:cNvPr>
+          <p:cNvSpPr>
+            <a:spLocks noGrp="1"/>
+          </p:cNvSpPr>
+          <p:nvPr>
+            <p:ph type="sldNum" idx="12"/>
+          </p:nvPr>
+        </p:nvSpPr>
+        <p:spPr/>
+        <p:txBody>
+          <a:bodyPr/>
+          <a:lstStyle/>
+          <a:p>
+            <a:pPr marL="0" lvl="0" indent="0" algn="l" rtl="0">
+              <a:spcBef>
+                <a:spcPts val="0"/>
+              </a:spcBef>
+              <a:spcAft>
+                <a:spcPts val="0"/>
+              </a:spcAft>
+              <a:buNone/>
+            </a:pPr>
+            <a:fld id="{00000000-1234-1234-1234-123412341234}" type="slidenum">
+              <a:rPr lang="en" smtClean="0"/>
+              <a:t>12</a:t>
+            </a:fld>
+            <a:endParaRPr lang="en"/>
+          </a:p>
+        </p:txBody>
+      </p:sp>
+    </p:spTree>
+    <p:extLst>
+      <p:ext uri="{BB962C8B-B14F-4D97-AF65-F5344CB8AC3E}">
+        <p14:creationId xmlns:p14="http://schemas.microsoft.com/office/powerpoint/2010/main" val="3890160082"/>
+      </p:ext>
+    </p:extLst>
+  </p:cSld>
+  <p:clrMapOvr>
+    <a:masterClrMapping/>
+  </p:clrMapOvr>
+</p:sld>
+</file>
+
+<file path=ppt/slides/slide2.xml><?xml version="1.0" encoding="utf-8"?>
+<p:sld xmlns:a="http://schemas.openxmlformats.org/drawingml/2006/main" xmlns:r="http://schemas.openxmlformats.org/officeDocument/2006/relationships" xmlns:p="http://schemas.openxmlformats.org/presentationml/2006/main">
+  <p:cSld>
+    <p:spTree>
+      <p:nvGrpSpPr>
+        <p:cNvPr id="1" name="Shape 82"/>
+        <p:cNvGrpSpPr/>
+        <p:nvPr/>
+      </p:nvGrpSpPr>
+      <p:grpSpPr>
+        <a:xfrm>
+          <a:off x="0" y="0"/>
+          <a:ext cx="0" cy="0"/>
+          <a:chOff x="0" y="0"/>
+          <a:chExt cx="0" cy="0"/>
+        </a:xfrm>
+      </p:grpSpPr>
+      <p:sp>
+        <p:nvSpPr>
+          <p:cNvPr id="83" name="Google Shape;83;p13"/>
+          <p:cNvSpPr txBox="1">
+            <a:spLocks noGrp="1"/>
+          </p:cNvSpPr>
+          <p:nvPr>
+            <p:ph type="title"/>
+          </p:nvPr>
+        </p:nvSpPr>
+        <p:spPr>
+          <a:xfrm>
+            <a:off x="457200" y="1337936"/>
+            <a:ext cx="2154600" cy="816300"/>
+          </a:xfrm>
+          <a:prstGeom prst="rect">
+            <a:avLst/>
+          </a:prstGeom>
+        </p:spPr>
+        <p:txBody>
+          <a:bodyPr spcFirstLastPara="1" wrap="square" lIns="91425" tIns="91425" rIns="91425" bIns="91425" anchor="t" anchorCtr="0">
+            <a:noAutofit/>
+          </a:bodyPr>
+          <a:lstStyle/>
+          <a:p>
+            <a:pPr marL="0" lvl="0" indent="0" algn="l" rtl="0">
+              <a:spcBef>
+                <a:spcPts val="0"/>
+              </a:spcBef>
+              <a:spcAft>
+                <a:spcPts val="0"/>
+              </a:spcAft>
+              <a:buNone/>
+            </a:pPr>
+            <a:r>
+              <a:rPr lang="en-US" sz="2000" dirty="0">
+                <a:latin typeface="Raleway" panose="020B0604020202020204" charset="0"/>
+              </a:rPr>
+              <a:t>Meet </a:t>
+            </a:r>
+            <a:br>
+              <a:rPr lang="en-US" sz="2000" dirty="0">
+                <a:latin typeface="Raleway" panose="020B0604020202020204" charset="0"/>
+              </a:rPr>
+            </a:br>
+            <a:r>
+              <a:rPr lang="en-US" sz="2000" dirty="0">
+                <a:latin typeface="Raleway" panose="020B0604020202020204" charset="0"/>
+              </a:rPr>
+              <a:t>The Team</a:t>
+            </a:r>
+            <a:endParaRPr sz="2000" dirty="0">
+              <a:latin typeface="Raleway" panose="020B0604020202020204" charset="0"/>
+            </a:endParaRPr>
+          </a:p>
+        </p:txBody>
+      </p:sp>
+      <p:sp>
+        <p:nvSpPr>
+          <p:cNvPr id="84" name="Google Shape;84;p13"/>
+          <p:cNvSpPr txBox="1">
+            <a:spLocks noGrp="1"/>
+          </p:cNvSpPr>
+          <p:nvPr>
+            <p:ph type="body" idx="1"/>
+          </p:nvPr>
+        </p:nvSpPr>
+        <p:spPr>
+          <a:xfrm>
+            <a:off x="2392326" y="1988288"/>
+            <a:ext cx="6072124" cy="2705237"/>
+          </a:xfrm>
+          <a:prstGeom prst="rect">
+            <a:avLst/>
+          </a:prstGeom>
+        </p:spPr>
+        <p:txBody>
+          <a:bodyPr spcFirstLastPara="1" wrap="square" lIns="91425" tIns="91425" rIns="91425" bIns="91425" anchor="t" anchorCtr="0">
+            <a:noAutofit/>
+          </a:bodyPr>
+          <a:lstStyle/>
+          <a:p>
+            <a:pPr marL="0" lvl="0" indent="0" algn="l" rtl="0">
+              <a:spcBef>
+                <a:spcPts val="600"/>
+              </a:spcBef>
+              <a:spcAft>
+                <a:spcPts val="0"/>
+              </a:spcAft>
+              <a:buClr>
+                <a:schemeClr val="dk1"/>
+              </a:buClr>
+              <a:buSzPts val="1100"/>
+              <a:buFont typeface="Arial"/>
+              <a:buNone/>
+            </a:pPr>
+            <a:r>
+              <a:rPr lang="en-US" dirty="0">
+                <a:latin typeface="Raleway" panose="020B0604020202020204" charset="0"/>
+              </a:rPr>
+              <a:t>Kiara Perez – CSS | JavaScript | GitHub</a:t>
+            </a:r>
+          </a:p>
+          <a:p>
+            <a:pPr marL="0" lvl="0" indent="0" algn="l" rtl="0">
+              <a:spcBef>
+                <a:spcPts val="600"/>
+              </a:spcBef>
+              <a:spcAft>
+                <a:spcPts val="0"/>
+              </a:spcAft>
+              <a:buClr>
+                <a:schemeClr val="dk1"/>
+              </a:buClr>
+              <a:buSzPts val="1100"/>
+              <a:buFont typeface="Arial"/>
+              <a:buNone/>
+            </a:pPr>
+            <a:r>
+              <a:rPr lang="en-US" dirty="0">
+                <a:latin typeface="Raleway" panose="020B0604020202020204" charset="0"/>
+              </a:rPr>
+              <a:t>Cameron </a:t>
+            </a:r>
+            <a:r>
+              <a:rPr lang="en-US" dirty="0" err="1">
+                <a:latin typeface="Raleway" panose="020B0604020202020204" charset="0"/>
+              </a:rPr>
+              <a:t>Hallmen</a:t>
+            </a:r>
+            <a:r>
+              <a:rPr lang="en-US" dirty="0">
+                <a:latin typeface="Raleway" panose="020B0604020202020204" charset="0"/>
+              </a:rPr>
+              <a:t> – JavaScript | API | Ajax</a:t>
+            </a:r>
+          </a:p>
+          <a:p>
+            <a:pPr marL="0" lvl="0" indent="0" algn="l" rtl="0">
+              <a:spcBef>
+                <a:spcPts val="600"/>
+              </a:spcBef>
+              <a:spcAft>
+                <a:spcPts val="0"/>
+              </a:spcAft>
+              <a:buClr>
+                <a:schemeClr val="dk1"/>
+              </a:buClr>
+              <a:buSzPts val="1100"/>
+              <a:buFont typeface="Arial"/>
+              <a:buNone/>
+            </a:pPr>
+            <a:r>
+              <a:rPr lang="en-US" dirty="0" err="1">
+                <a:latin typeface="Raleway" panose="020B0604020202020204" charset="0"/>
+              </a:rPr>
+              <a:t>Hitomi</a:t>
+            </a:r>
+            <a:r>
+              <a:rPr lang="en-US" dirty="0">
+                <a:latin typeface="Raleway" panose="020B0604020202020204" charset="0"/>
+              </a:rPr>
+              <a:t> Barns – HTML | CSS</a:t>
+            </a:r>
+          </a:p>
+          <a:p>
+            <a:pPr marL="0" lvl="0" indent="0" algn="l" rtl="0">
+              <a:spcBef>
+                <a:spcPts val="600"/>
+              </a:spcBef>
+              <a:spcAft>
+                <a:spcPts val="0"/>
+              </a:spcAft>
+              <a:buClr>
+                <a:schemeClr val="dk1"/>
+              </a:buClr>
+              <a:buSzPts val="1100"/>
+              <a:buFont typeface="Arial"/>
+              <a:buNone/>
+            </a:pPr>
+            <a:r>
+              <a:rPr lang="en-US" dirty="0">
+                <a:latin typeface="Raleway" panose="020B0604020202020204" charset="0"/>
+              </a:rPr>
+              <a:t>Steve Mattis – Firebase | Modal | JavaScript</a:t>
+            </a:r>
+            <a:endParaRPr dirty="0">
+              <a:latin typeface="Raleway" panose="020B0604020202020204" charset="0"/>
+            </a:endParaRPr>
+          </a:p>
+          <a:p>
+            <a:pPr marL="0" lvl="0" indent="0" algn="l" rtl="0">
+              <a:spcBef>
+                <a:spcPts val="600"/>
+              </a:spcBef>
+              <a:spcAft>
+                <a:spcPts val="0"/>
+              </a:spcAft>
+              <a:buNone/>
+            </a:pPr>
+            <a:endParaRPr sz="1000" dirty="0"/>
+          </a:p>
+        </p:txBody>
+      </p:sp>
+      <p:sp>
+        <p:nvSpPr>
+          <p:cNvPr id="87" name="Google Shape;87;p13"/>
+          <p:cNvSpPr txBox="1">
+            <a:spLocks noGrp="1"/>
+          </p:cNvSpPr>
+          <p:nvPr>
+            <p:ph type="sldNum" idx="12"/>
+          </p:nvPr>
+        </p:nvSpPr>
+        <p:spPr>
+          <a:prstGeom prst="rect">
+            <a:avLst/>
+          </a:prstGeom>
+        </p:spPr>
+        <p:txBody>
+          <a:bodyPr spcFirstLastPara="1" wrap="square" lIns="91425" tIns="91425" rIns="91425" bIns="91425" anchor="b" anchorCtr="0">
+            <a:noAutofit/>
+          </a:bodyPr>
+          <a:lstStyle/>
+          <a:p>
+            <a:pPr marL="0" lvl="0" indent="0" algn="l" rtl="0">
+              <a:spcBef>
+                <a:spcPts val="0"/>
+              </a:spcBef>
+              <a:spcAft>
+                <a:spcPts val="0"/>
+              </a:spcAft>
+              <a:buNone/>
+            </a:pPr>
+            <a:fld id="{00000000-1234-1234-1234-123412341234}" type="slidenum">
+              <a:rPr lang="en">
+                <a:latin typeface="Raleway"/>
+                <a:ea typeface="Raleway"/>
+                <a:cs typeface="Raleway"/>
+                <a:sym typeface="Raleway"/>
+              </a:rPr>
+              <a:t>2</a:t>
+            </a:fld>
+            <a:endParaRPr>
+              <a:latin typeface="Raleway"/>
+              <a:ea typeface="Raleway"/>
+              <a:cs typeface="Raleway"/>
+              <a:sym typeface="Raleway"/>
+            </a:endParaRPr>
+          </a:p>
+        </p:txBody>
+      </p:sp>
+    </p:spTree>
+  </p:cSld>
+  <p:clrMapOvr>
+    <a:masterClrMapping/>
+  </p:clrMapOvr>
+</p:sld>
+</file>
+
+<file path=ppt/slides/slide3.xml><?xml version="1.0" encoding="utf-8"?>
+<p:sld xmlns:a="http://schemas.openxmlformats.org/drawingml/2006/main" xmlns:r="http://schemas.openxmlformats.org/officeDocument/2006/relationships" xmlns:p="http://schemas.openxmlformats.org/presentationml/2006/main">
+  <p:cSld>
+    <p:spTree>
+      <p:nvGrpSpPr>
+        <p:cNvPr id="1" name="Shape 99"/>
+        <p:cNvGrpSpPr/>
+        <p:nvPr/>
+      </p:nvGrpSpPr>
+      <p:grpSpPr>
+        <a:xfrm>
+          <a:off x="0" y="0"/>
+          <a:ext cx="0" cy="0"/>
+          <a:chOff x="0" y="0"/>
+          <a:chExt cx="0" cy="0"/>
+        </a:xfrm>
+      </p:grpSpPr>
+      <p:sp>
+        <p:nvSpPr>
+          <p:cNvPr id="100" name="Google Shape;100;p14"/>
+          <p:cNvSpPr txBox="1">
+            <a:spLocks noGrp="1"/>
+          </p:cNvSpPr>
+          <p:nvPr>
+            <p:ph type="title"/>
+          </p:nvPr>
+        </p:nvSpPr>
+        <p:spPr>
+          <a:xfrm>
+            <a:off x="457200" y="1146025"/>
+            <a:ext cx="2154600" cy="816300"/>
+          </a:xfrm>
+          <a:prstGeom prst="rect">
+            <a:avLst/>
+          </a:prstGeom>
+        </p:spPr>
+        <p:txBody>
+          <a:bodyPr spcFirstLastPara="1" wrap="square" lIns="91425" tIns="91425" rIns="91425" bIns="91425" anchor="t" anchorCtr="0">
+            <a:noAutofit/>
+          </a:bodyPr>
+          <a:lstStyle/>
+          <a:p>
+            <a:pPr marL="0" lvl="0" indent="0" algn="l" rtl="0">
+              <a:spcBef>
+                <a:spcPts val="0"/>
+              </a:spcBef>
+              <a:spcAft>
+                <a:spcPts val="0"/>
+              </a:spcAft>
+              <a:buNone/>
+            </a:pPr>
+            <a:r>
+              <a:rPr lang="en" sz="2000" dirty="0">
+                <a:latin typeface="Raleway" panose="020B0604020202020204" charset="0"/>
+              </a:rPr>
+              <a:t>LOCAL ORLANDO</a:t>
+            </a:r>
+            <a:endParaRPr sz="2000" dirty="0">
+              <a:latin typeface="Raleway" panose="020B0604020202020204" charset="0"/>
+            </a:endParaRPr>
+          </a:p>
+        </p:txBody>
+      </p:sp>
+      <p:sp>
+        <p:nvSpPr>
+          <p:cNvPr id="101" name="Google Shape;101;p14"/>
+          <p:cNvSpPr txBox="1">
+            <a:spLocks noGrp="1"/>
+          </p:cNvSpPr>
+          <p:nvPr>
+            <p:ph type="body" idx="1"/>
+          </p:nvPr>
+        </p:nvSpPr>
+        <p:spPr>
+          <a:xfrm>
+            <a:off x="2961550" y="1477925"/>
+            <a:ext cx="5502900" cy="3215599"/>
+          </a:xfrm>
+          <a:prstGeom prst="rect">
+            <a:avLst/>
+          </a:prstGeom>
+        </p:spPr>
+        <p:txBody>
+          <a:bodyPr spcFirstLastPara="1" wrap="square" lIns="91425" tIns="91425" rIns="91425" bIns="91425" anchor="t" anchorCtr="0">
+            <a:noAutofit/>
+          </a:bodyPr>
+          <a:lstStyle/>
+          <a:p>
+            <a:pPr marL="0" indent="0">
+              <a:buNone/>
+            </a:pPr>
+            <a:r>
+              <a:rPr lang="en-US" dirty="0"/>
+              <a:t>We have created a user-friendly website to help easily navigate Orlando. </a:t>
+            </a:r>
+          </a:p>
+          <a:p>
+            <a:pPr marL="0" indent="0">
+              <a:buNone/>
+            </a:pPr>
+            <a:r>
+              <a:rPr lang="en-US" dirty="0"/>
+              <a:t>This website allows you to check the weather and create an itinerary, including both food and entertainment, accordingly.</a:t>
+            </a:r>
+            <a:endParaRPr b="1" dirty="0"/>
+          </a:p>
+        </p:txBody>
+      </p:sp>
+      <p:sp>
+        <p:nvSpPr>
+          <p:cNvPr id="102" name="Google Shape;102;p14"/>
+          <p:cNvSpPr txBox="1">
+            <a:spLocks noGrp="1"/>
+          </p:cNvSpPr>
+          <p:nvPr>
+            <p:ph type="sldNum" idx="12"/>
+          </p:nvPr>
+        </p:nvSpPr>
+        <p:spPr>
+          <a:xfrm>
+            <a:off x="457200" y="4189182"/>
+            <a:ext cx="548700" cy="544500"/>
+          </a:xfrm>
+          <a:prstGeom prst="rect">
+            <a:avLst/>
+          </a:prstGeom>
+        </p:spPr>
+        <p:txBody>
+          <a:bodyPr spcFirstLastPara="1" wrap="square" lIns="91425" tIns="91425" rIns="91425" bIns="91425" anchor="b" anchorCtr="0">
+            <a:noAutofit/>
+          </a:bodyPr>
+          <a:lstStyle/>
+          <a:p>
+            <a:pPr marL="0" lvl="0" indent="0" algn="l" rtl="0">
+              <a:spcBef>
+                <a:spcPts val="0"/>
+              </a:spcBef>
+              <a:spcAft>
+                <a:spcPts val="0"/>
+              </a:spcAft>
+              <a:buNone/>
+            </a:pPr>
+            <a:fld id="{00000000-1234-1234-1234-123412341234}" type="slidenum">
+              <a:rPr lang="en">
+                <a:latin typeface="Raleway"/>
+                <a:ea typeface="Raleway"/>
+                <a:cs typeface="Raleway"/>
+                <a:sym typeface="Raleway"/>
+              </a:rPr>
+              <a:t>3</a:t>
+            </a:fld>
+            <a:endParaRPr>
+              <a:latin typeface="Raleway"/>
+              <a:ea typeface="Raleway"/>
+              <a:cs typeface="Raleway"/>
+              <a:sym typeface="Raleway"/>
+            </a:endParaRPr>
+          </a:p>
+        </p:txBody>
+      </p:sp>
+    </p:spTree>
+  </p:cSld>
+  <p:clrMapOvr>
+    <a:masterClrMapping/>
+  </p:clrMapOvr>
+</p:sld>
+</file>
+
+<file path=ppt/slides/slide4.xml><?xml version="1.0" encoding="utf-8"?>
+<p:sld xmlns:a="http://schemas.openxmlformats.org/drawingml/2006/main" xmlns:r="http://schemas.openxmlformats.org/officeDocument/2006/relationships" xmlns:p="http://schemas.openxmlformats.org/presentationml/2006/main">
+  <p:cSld>
+    <p:spTree>
+      <p:nvGrpSpPr>
+        <p:cNvPr id="1" name="Shape 111"/>
+        <p:cNvGrpSpPr/>
+        <p:nvPr/>
+      </p:nvGrpSpPr>
+      <p:grpSpPr>
+        <a:xfrm>
+          <a:off x="0" y="0"/>
+          <a:ext cx="0" cy="0"/>
+          <a:chOff x="0" y="0"/>
+          <a:chExt cx="0" cy="0"/>
+        </a:xfrm>
+      </p:grpSpPr>
+      <p:sp>
+        <p:nvSpPr>
+          <p:cNvPr id="112" name="Google Shape;112;p15"/>
+          <p:cNvSpPr txBox="1">
+            <a:spLocks noGrp="1"/>
+          </p:cNvSpPr>
+          <p:nvPr>
+            <p:ph type="title"/>
+          </p:nvPr>
+        </p:nvSpPr>
+        <p:spPr>
+          <a:prstGeom prst="rect">
+            <a:avLst/>
+          </a:prstGeom>
+        </p:spPr>
+        <p:txBody>
+          <a:bodyPr spcFirstLastPara="1" wrap="square" lIns="91425" tIns="91425" rIns="91425" bIns="91425" anchor="t" anchorCtr="0">
+            <a:noAutofit/>
+          </a:bodyPr>
+          <a:lstStyle/>
+          <a:p>
+            <a:pPr marL="0" lvl="0" indent="0" algn="l" rtl="0">
+              <a:spcBef>
+                <a:spcPts val="0"/>
+              </a:spcBef>
+              <a:spcAft>
+                <a:spcPts val="0"/>
+              </a:spcAft>
+              <a:buNone/>
+            </a:pPr>
+            <a:r>
+              <a:rPr lang="en-US" sz="2000" dirty="0">
+                <a:latin typeface="Raleway" panose="020B0604020202020204" charset="0"/>
+              </a:rPr>
+              <a:t>Motivation</a:t>
+            </a:r>
+            <a:endParaRPr sz="2000" dirty="0">
+              <a:latin typeface="Raleway" panose="020B0604020202020204" charset="0"/>
+            </a:endParaRPr>
+          </a:p>
+        </p:txBody>
+      </p:sp>
+      <p:sp>
+        <p:nvSpPr>
+          <p:cNvPr id="113" name="Google Shape;113;p15"/>
+          <p:cNvSpPr txBox="1">
+            <a:spLocks noGrp="1"/>
+          </p:cNvSpPr>
+          <p:nvPr>
+            <p:ph type="body" idx="1"/>
+          </p:nvPr>
+        </p:nvSpPr>
+        <p:spPr>
+          <a:xfrm>
+            <a:off x="2743200" y="1424763"/>
+            <a:ext cx="5721250" cy="3268762"/>
+          </a:xfrm>
+          <a:prstGeom prst="rect">
+            <a:avLst/>
+          </a:prstGeom>
+        </p:spPr>
+        <p:txBody>
+          <a:bodyPr spcFirstLastPara="1" wrap="square" lIns="91425" tIns="91425" rIns="91425" bIns="91425" anchor="t" anchorCtr="0">
+            <a:noAutofit/>
+          </a:bodyPr>
+          <a:lstStyle/>
+          <a:p>
+            <a:pPr marL="0" lvl="0" indent="0" algn="l" rtl="0">
+              <a:spcBef>
+                <a:spcPts val="0"/>
+              </a:spcBef>
+              <a:spcAft>
+                <a:spcPts val="0"/>
+              </a:spcAft>
+              <a:buNone/>
+            </a:pPr>
+            <a:r>
+              <a:rPr lang="en-US" dirty="0"/>
+              <a:t>Orlando is a big city and continues to expand every year.</a:t>
+            </a:r>
+          </a:p>
+          <a:p>
+            <a:pPr marL="0" lvl="0" indent="0" algn="l" rtl="0">
+              <a:spcBef>
+                <a:spcPts val="0"/>
+              </a:spcBef>
+              <a:spcAft>
+                <a:spcPts val="0"/>
+              </a:spcAft>
+              <a:buNone/>
+            </a:pPr>
+            <a:r>
+              <a:rPr lang="en-US" dirty="0"/>
+              <a:t>Tourists from all over the world come to experience what our great city has to offer.</a:t>
+            </a:r>
+          </a:p>
+          <a:p>
+            <a:pPr marL="0" lvl="0" indent="0" algn="l" rtl="0">
+              <a:spcBef>
+                <a:spcPts val="0"/>
+              </a:spcBef>
+              <a:spcAft>
+                <a:spcPts val="0"/>
+              </a:spcAft>
+              <a:buNone/>
+            </a:pPr>
+            <a:r>
+              <a:rPr lang="en-US" dirty="0"/>
+              <a:t>We wanted to give them an easy-to-use website to make the most of their visit.</a:t>
+            </a:r>
+            <a:endParaRPr dirty="0"/>
+          </a:p>
+        </p:txBody>
+      </p:sp>
+    </p:spTree>
+  </p:cSld>
+  <p:clrMapOvr>
+    <a:masterClrMapping/>
+  </p:clrMapOvr>
+</p:sld>
+</file>
+
+<file path=ppt/slides/slide5.xml><?xml version="1.0" encoding="utf-8"?>
 <p:sld xmlns:a="http://schemas.openxmlformats.org/drawingml/2006/main" xmlns:r="http://schemas.openxmlformats.org/officeDocument/2006/relationships" xmlns:p="http://schemas.openxmlformats.org/presentationml/2006/main">
   <p:cSld>
     <p:spTree>
@@ -4936,7 +5821,7 @@
             <a:fld id="{00000000-1234-1234-1234-123412341234}" type="slidenum">
               <a:rPr lang="en" smtClean="0"/>
               <a:pPr lvl="0"/>
-              <a:t>11</a:t>
+              <a:t>5</a:t>
             </a:fld>
             <a:endParaRPr lang="en"/>
           </a:p>
@@ -4955,729 +5840,7 @@
 </p:sld>
 </file>
 
-<file path=ppt/slides/slide12.xml><?xml version="1.0" encoding="utf-8"?>
-<p:sld xmlns:a="http://schemas.openxmlformats.org/drawingml/2006/main" xmlns:r="http://schemas.openxmlformats.org/officeDocument/2006/relationships" xmlns:p="http://schemas.openxmlformats.org/presentationml/2006/main">
-  <p:cSld>
-    <p:spTree>
-      <p:nvGrpSpPr>
-        <p:cNvPr id="1" name=""/>
-        <p:cNvGrpSpPr/>
-        <p:nvPr/>
-      </p:nvGrpSpPr>
-      <p:grpSpPr>
-        <a:xfrm>
-          <a:off x="0" y="0"/>
-          <a:ext cx="0" cy="0"/>
-          <a:chOff x="0" y="0"/>
-          <a:chExt cx="0" cy="0"/>
-        </a:xfrm>
-      </p:grpSpPr>
-      <p:sp>
-        <p:nvSpPr>
-          <p:cNvPr id="2" name="Title 1">
-            <a:extLst>
-              <a:ext uri="{FF2B5EF4-FFF2-40B4-BE49-F238E27FC236}">
-                <a16:creationId xmlns:a16="http://schemas.microsoft.com/office/drawing/2014/main" id="{7F02B51B-A59B-4428-B9A4-2A788CF198AD}"/>
-              </a:ext>
-            </a:extLst>
-          </p:cNvPr>
-          <p:cNvSpPr>
-            <a:spLocks noGrp="1"/>
-          </p:cNvSpPr>
-          <p:nvPr>
-            <p:ph type="title"/>
-          </p:nvPr>
-        </p:nvSpPr>
-        <p:spPr/>
-        <p:txBody>
-          <a:bodyPr/>
-          <a:lstStyle/>
-          <a:p>
-            <a:r>
-              <a:rPr lang="en-US" sz="2000" dirty="0">
-                <a:latin typeface="Raleway" panose="020B0604020202020204" charset="0"/>
-              </a:rPr>
-              <a:t>Future Development</a:t>
-            </a:r>
-          </a:p>
-        </p:txBody>
-      </p:sp>
-      <p:sp>
-        <p:nvSpPr>
-          <p:cNvPr id="3" name="Text Placeholder 2">
-            <a:extLst>
-              <a:ext uri="{FF2B5EF4-FFF2-40B4-BE49-F238E27FC236}">
-                <a16:creationId xmlns:a16="http://schemas.microsoft.com/office/drawing/2014/main" id="{8720B020-ACBA-4E6F-9847-14BD78AF39D1}"/>
-              </a:ext>
-            </a:extLst>
-          </p:cNvPr>
-          <p:cNvSpPr>
-            <a:spLocks noGrp="1"/>
-          </p:cNvSpPr>
-          <p:nvPr>
-            <p:ph type="body" idx="1"/>
-          </p:nvPr>
-        </p:nvSpPr>
-        <p:spPr/>
-        <p:txBody>
-          <a:bodyPr/>
-          <a:lstStyle/>
-          <a:p>
-            <a:pPr marL="76200" indent="0">
-              <a:buNone/>
-            </a:pPr>
-            <a:r>
-              <a:rPr lang="en-US" dirty="0"/>
-              <a:t>We would like to expand our project to make it more useful for an individual by implementing authentication so the user's session will truly be their own.</a:t>
-            </a:r>
-          </a:p>
-          <a:p>
-            <a:pPr marL="76200" indent="0">
-              <a:buNone/>
-            </a:pPr>
-            <a:r>
-              <a:rPr lang="en-US" dirty="0"/>
-              <a:t>We would also like to make more search results available.</a:t>
-            </a:r>
-          </a:p>
-        </p:txBody>
-      </p:sp>
-      <p:sp>
-        <p:nvSpPr>
-          <p:cNvPr id="4" name="Slide Number Placeholder 3">
-            <a:extLst>
-              <a:ext uri="{FF2B5EF4-FFF2-40B4-BE49-F238E27FC236}">
-                <a16:creationId xmlns:a16="http://schemas.microsoft.com/office/drawing/2014/main" id="{78CEC222-4CCC-47F4-8C1D-533E3EC23524}"/>
-              </a:ext>
-            </a:extLst>
-          </p:cNvPr>
-          <p:cNvSpPr>
-            <a:spLocks noGrp="1"/>
-          </p:cNvSpPr>
-          <p:nvPr>
-            <p:ph type="sldNum" idx="12"/>
-          </p:nvPr>
-        </p:nvSpPr>
-        <p:spPr/>
-        <p:txBody>
-          <a:bodyPr/>
-          <a:lstStyle/>
-          <a:p>
-            <a:pPr marL="0" lvl="0" indent="0" algn="l" rtl="0">
-              <a:spcBef>
-                <a:spcPts val="0"/>
-              </a:spcBef>
-              <a:spcAft>
-                <a:spcPts val="0"/>
-              </a:spcAft>
-              <a:buNone/>
-            </a:pPr>
-            <a:fld id="{00000000-1234-1234-1234-123412341234}" type="slidenum">
-              <a:rPr lang="en" smtClean="0"/>
-              <a:t>12</a:t>
-            </a:fld>
-            <a:endParaRPr lang="en"/>
-          </a:p>
-        </p:txBody>
-      </p:sp>
-    </p:spTree>
-    <p:extLst>
-      <p:ext uri="{BB962C8B-B14F-4D97-AF65-F5344CB8AC3E}">
-        <p14:creationId xmlns:p14="http://schemas.microsoft.com/office/powerpoint/2010/main" val="3890160082"/>
-      </p:ext>
-    </p:extLst>
-  </p:cSld>
-  <p:clrMapOvr>
-    <a:masterClrMapping/>
-  </p:clrMapOvr>
-</p:sld>
-</file>
-
-<file path=ppt/slides/slide2.xml><?xml version="1.0" encoding="utf-8"?>
-<p:sld xmlns:a="http://schemas.openxmlformats.org/drawingml/2006/main" xmlns:r="http://schemas.openxmlformats.org/officeDocument/2006/relationships" xmlns:p="http://schemas.openxmlformats.org/presentationml/2006/main">
-  <p:cSld>
-    <p:spTree>
-      <p:nvGrpSpPr>
-        <p:cNvPr id="1" name="Shape 82"/>
-        <p:cNvGrpSpPr/>
-        <p:nvPr/>
-      </p:nvGrpSpPr>
-      <p:grpSpPr>
-        <a:xfrm>
-          <a:off x="0" y="0"/>
-          <a:ext cx="0" cy="0"/>
-          <a:chOff x="0" y="0"/>
-          <a:chExt cx="0" cy="0"/>
-        </a:xfrm>
-      </p:grpSpPr>
-      <p:sp>
-        <p:nvSpPr>
-          <p:cNvPr id="83" name="Google Shape;83;p13"/>
-          <p:cNvSpPr txBox="1">
-            <a:spLocks noGrp="1"/>
-          </p:cNvSpPr>
-          <p:nvPr>
-            <p:ph type="title"/>
-          </p:nvPr>
-        </p:nvSpPr>
-        <p:spPr>
-          <a:xfrm>
-            <a:off x="457200" y="1337936"/>
-            <a:ext cx="2154600" cy="816300"/>
-          </a:xfrm>
-          <a:prstGeom prst="rect">
-            <a:avLst/>
-          </a:prstGeom>
-        </p:spPr>
-        <p:txBody>
-          <a:bodyPr spcFirstLastPara="1" wrap="square" lIns="91425" tIns="91425" rIns="91425" bIns="91425" anchor="t" anchorCtr="0">
-            <a:noAutofit/>
-          </a:bodyPr>
-          <a:lstStyle/>
-          <a:p>
-            <a:pPr marL="0" lvl="0" indent="0" algn="l" rtl="0">
-              <a:spcBef>
-                <a:spcPts val="0"/>
-              </a:spcBef>
-              <a:spcAft>
-                <a:spcPts val="0"/>
-              </a:spcAft>
-              <a:buNone/>
-            </a:pPr>
-            <a:r>
-              <a:rPr lang="en-US" sz="2000" dirty="0">
-                <a:latin typeface="Raleway" panose="020B0604020202020204" charset="0"/>
-              </a:rPr>
-              <a:t>Meet </a:t>
-            </a:r>
-            <a:br>
-              <a:rPr lang="en-US" sz="2000" dirty="0">
-                <a:latin typeface="Raleway" panose="020B0604020202020204" charset="0"/>
-              </a:rPr>
-            </a:br>
-            <a:r>
-              <a:rPr lang="en-US" sz="2000" dirty="0">
-                <a:latin typeface="Raleway" panose="020B0604020202020204" charset="0"/>
-              </a:rPr>
-              <a:t>The Team</a:t>
-            </a:r>
-            <a:endParaRPr sz="2000" dirty="0">
-              <a:latin typeface="Raleway" panose="020B0604020202020204" charset="0"/>
-            </a:endParaRPr>
-          </a:p>
-        </p:txBody>
-      </p:sp>
-      <p:sp>
-        <p:nvSpPr>
-          <p:cNvPr id="84" name="Google Shape;84;p13"/>
-          <p:cNvSpPr txBox="1">
-            <a:spLocks noGrp="1"/>
-          </p:cNvSpPr>
-          <p:nvPr>
-            <p:ph type="body" idx="1"/>
-          </p:nvPr>
-        </p:nvSpPr>
-        <p:spPr>
-          <a:xfrm>
-            <a:off x="2392326" y="1988288"/>
-            <a:ext cx="6072124" cy="2705237"/>
-          </a:xfrm>
-          <a:prstGeom prst="rect">
-            <a:avLst/>
-          </a:prstGeom>
-        </p:spPr>
-        <p:txBody>
-          <a:bodyPr spcFirstLastPara="1" wrap="square" lIns="91425" tIns="91425" rIns="91425" bIns="91425" anchor="t" anchorCtr="0">
-            <a:noAutofit/>
-          </a:bodyPr>
-          <a:lstStyle/>
-          <a:p>
-            <a:pPr marL="0" lvl="0" indent="0" algn="l" rtl="0">
-              <a:spcBef>
-                <a:spcPts val="600"/>
-              </a:spcBef>
-              <a:spcAft>
-                <a:spcPts val="0"/>
-              </a:spcAft>
-              <a:buClr>
-                <a:schemeClr val="dk1"/>
-              </a:buClr>
-              <a:buSzPts val="1100"/>
-              <a:buFont typeface="Arial"/>
-              <a:buNone/>
-            </a:pPr>
-            <a:r>
-              <a:rPr lang="en-US" dirty="0">
-                <a:latin typeface="Raleway" panose="020B0604020202020204" charset="0"/>
-              </a:rPr>
-              <a:t>Kiara Perez – CSS | JavaScript | GitHub</a:t>
-            </a:r>
-          </a:p>
-          <a:p>
-            <a:pPr marL="0" lvl="0" indent="0" algn="l" rtl="0">
-              <a:spcBef>
-                <a:spcPts val="600"/>
-              </a:spcBef>
-              <a:spcAft>
-                <a:spcPts val="0"/>
-              </a:spcAft>
-              <a:buClr>
-                <a:schemeClr val="dk1"/>
-              </a:buClr>
-              <a:buSzPts val="1100"/>
-              <a:buFont typeface="Arial"/>
-              <a:buNone/>
-            </a:pPr>
-            <a:r>
-              <a:rPr lang="en-US" dirty="0">
-                <a:latin typeface="Raleway" panose="020B0604020202020204" charset="0"/>
-              </a:rPr>
-              <a:t>Cameron </a:t>
-            </a:r>
-            <a:r>
-              <a:rPr lang="en-US" dirty="0" err="1">
-                <a:latin typeface="Raleway" panose="020B0604020202020204" charset="0"/>
-              </a:rPr>
-              <a:t>Hallmen</a:t>
-            </a:r>
-            <a:r>
-              <a:rPr lang="en-US" dirty="0">
-                <a:latin typeface="Raleway" panose="020B0604020202020204" charset="0"/>
-              </a:rPr>
-              <a:t> – JavaScript | API | Ajax</a:t>
-            </a:r>
-          </a:p>
-          <a:p>
-            <a:pPr marL="0" lvl="0" indent="0" algn="l" rtl="0">
-              <a:spcBef>
-                <a:spcPts val="600"/>
-              </a:spcBef>
-              <a:spcAft>
-                <a:spcPts val="0"/>
-              </a:spcAft>
-              <a:buClr>
-                <a:schemeClr val="dk1"/>
-              </a:buClr>
-              <a:buSzPts val="1100"/>
-              <a:buFont typeface="Arial"/>
-              <a:buNone/>
-            </a:pPr>
-            <a:r>
-              <a:rPr lang="en-US" dirty="0" err="1">
-                <a:latin typeface="Raleway" panose="020B0604020202020204" charset="0"/>
-              </a:rPr>
-              <a:t>Hitomi</a:t>
-            </a:r>
-            <a:r>
-              <a:rPr lang="en-US" dirty="0">
-                <a:latin typeface="Raleway" panose="020B0604020202020204" charset="0"/>
-              </a:rPr>
-              <a:t> Barns – HTML | CSS</a:t>
-            </a:r>
-          </a:p>
-          <a:p>
-            <a:pPr marL="0" lvl="0" indent="0" algn="l" rtl="0">
-              <a:spcBef>
-                <a:spcPts val="600"/>
-              </a:spcBef>
-              <a:spcAft>
-                <a:spcPts val="0"/>
-              </a:spcAft>
-              <a:buClr>
-                <a:schemeClr val="dk1"/>
-              </a:buClr>
-              <a:buSzPts val="1100"/>
-              <a:buFont typeface="Arial"/>
-              <a:buNone/>
-            </a:pPr>
-            <a:r>
-              <a:rPr lang="en-US" dirty="0">
-                <a:latin typeface="Raleway" panose="020B0604020202020204" charset="0"/>
-              </a:rPr>
-              <a:t>Steve Mattis – Firebase | Modal | JavaScript</a:t>
-            </a:r>
-            <a:endParaRPr dirty="0">
-              <a:latin typeface="Raleway" panose="020B0604020202020204" charset="0"/>
-            </a:endParaRPr>
-          </a:p>
-          <a:p>
-            <a:pPr marL="0" lvl="0" indent="0" algn="l" rtl="0">
-              <a:spcBef>
-                <a:spcPts val="600"/>
-              </a:spcBef>
-              <a:spcAft>
-                <a:spcPts val="0"/>
-              </a:spcAft>
-              <a:buNone/>
-            </a:pPr>
-            <a:endParaRPr sz="1000" dirty="0"/>
-          </a:p>
-        </p:txBody>
-      </p:sp>
-      <p:sp>
-        <p:nvSpPr>
-          <p:cNvPr id="87" name="Google Shape;87;p13"/>
-          <p:cNvSpPr txBox="1">
-            <a:spLocks noGrp="1"/>
-          </p:cNvSpPr>
-          <p:nvPr>
-            <p:ph type="sldNum" idx="12"/>
-          </p:nvPr>
-        </p:nvSpPr>
-        <p:spPr>
-          <a:prstGeom prst="rect">
-            <a:avLst/>
-          </a:prstGeom>
-        </p:spPr>
-        <p:txBody>
-          <a:bodyPr spcFirstLastPara="1" wrap="square" lIns="91425" tIns="91425" rIns="91425" bIns="91425" anchor="b" anchorCtr="0">
-            <a:noAutofit/>
-          </a:bodyPr>
-          <a:lstStyle/>
-          <a:p>
-            <a:pPr marL="0" lvl="0" indent="0" algn="l" rtl="0">
-              <a:spcBef>
-                <a:spcPts val="0"/>
-              </a:spcBef>
-              <a:spcAft>
-                <a:spcPts val="0"/>
-              </a:spcAft>
-              <a:buNone/>
-            </a:pPr>
-            <a:fld id="{00000000-1234-1234-1234-123412341234}" type="slidenum">
-              <a:rPr lang="en">
-                <a:latin typeface="Raleway"/>
-                <a:ea typeface="Raleway"/>
-                <a:cs typeface="Raleway"/>
-                <a:sym typeface="Raleway"/>
-              </a:rPr>
-              <a:t>2</a:t>
-            </a:fld>
-            <a:endParaRPr>
-              <a:latin typeface="Raleway"/>
-              <a:ea typeface="Raleway"/>
-              <a:cs typeface="Raleway"/>
-              <a:sym typeface="Raleway"/>
-            </a:endParaRPr>
-          </a:p>
-        </p:txBody>
-      </p:sp>
-    </p:spTree>
-  </p:cSld>
-  <p:clrMapOvr>
-    <a:masterClrMapping/>
-  </p:clrMapOvr>
-</p:sld>
-</file>
-
-<file path=ppt/slides/slide3.xml><?xml version="1.0" encoding="utf-8"?>
-<p:sld xmlns:a="http://schemas.openxmlformats.org/drawingml/2006/main" xmlns:r="http://schemas.openxmlformats.org/officeDocument/2006/relationships" xmlns:p="http://schemas.openxmlformats.org/presentationml/2006/main">
-  <p:cSld>
-    <p:spTree>
-      <p:nvGrpSpPr>
-        <p:cNvPr id="1" name="Shape 99"/>
-        <p:cNvGrpSpPr/>
-        <p:nvPr/>
-      </p:nvGrpSpPr>
-      <p:grpSpPr>
-        <a:xfrm>
-          <a:off x="0" y="0"/>
-          <a:ext cx="0" cy="0"/>
-          <a:chOff x="0" y="0"/>
-          <a:chExt cx="0" cy="0"/>
-        </a:xfrm>
-      </p:grpSpPr>
-      <p:sp>
-        <p:nvSpPr>
-          <p:cNvPr id="100" name="Google Shape;100;p14"/>
-          <p:cNvSpPr txBox="1">
-            <a:spLocks noGrp="1"/>
-          </p:cNvSpPr>
-          <p:nvPr>
-            <p:ph type="title"/>
-          </p:nvPr>
-        </p:nvSpPr>
-        <p:spPr>
-          <a:xfrm>
-            <a:off x="457200" y="1146025"/>
-            <a:ext cx="2154600" cy="816300"/>
-          </a:xfrm>
-          <a:prstGeom prst="rect">
-            <a:avLst/>
-          </a:prstGeom>
-        </p:spPr>
-        <p:txBody>
-          <a:bodyPr spcFirstLastPara="1" wrap="square" lIns="91425" tIns="91425" rIns="91425" bIns="91425" anchor="t" anchorCtr="0">
-            <a:noAutofit/>
-          </a:bodyPr>
-          <a:lstStyle/>
-          <a:p>
-            <a:pPr marL="0" lvl="0" indent="0" algn="l" rtl="0">
-              <a:spcBef>
-                <a:spcPts val="0"/>
-              </a:spcBef>
-              <a:spcAft>
-                <a:spcPts val="0"/>
-              </a:spcAft>
-              <a:buNone/>
-            </a:pPr>
-            <a:r>
-              <a:rPr lang="en" sz="2000" dirty="0">
-                <a:latin typeface="Raleway" panose="020B0604020202020204" charset="0"/>
-              </a:rPr>
-              <a:t>LOCAL ORLANDO</a:t>
-            </a:r>
-            <a:endParaRPr sz="2000" dirty="0">
-              <a:latin typeface="Raleway" panose="020B0604020202020204" charset="0"/>
-            </a:endParaRPr>
-          </a:p>
-        </p:txBody>
-      </p:sp>
-      <p:sp>
-        <p:nvSpPr>
-          <p:cNvPr id="101" name="Google Shape;101;p14"/>
-          <p:cNvSpPr txBox="1">
-            <a:spLocks noGrp="1"/>
-          </p:cNvSpPr>
-          <p:nvPr>
-            <p:ph type="body" idx="1"/>
-          </p:nvPr>
-        </p:nvSpPr>
-        <p:spPr>
-          <a:xfrm>
-            <a:off x="2961550" y="1477925"/>
-            <a:ext cx="5502900" cy="3215599"/>
-          </a:xfrm>
-          <a:prstGeom prst="rect">
-            <a:avLst/>
-          </a:prstGeom>
-        </p:spPr>
-        <p:txBody>
-          <a:bodyPr spcFirstLastPara="1" wrap="square" lIns="91425" tIns="91425" rIns="91425" bIns="91425" anchor="t" anchorCtr="0">
-            <a:noAutofit/>
-          </a:bodyPr>
-          <a:lstStyle/>
-          <a:p>
-            <a:pPr marL="0" indent="0">
-              <a:buNone/>
-            </a:pPr>
-            <a:r>
-              <a:rPr lang="en-US" dirty="0"/>
-              <a:t>We have created a user-friendly website to help easily navigate Orlando. </a:t>
-            </a:r>
-          </a:p>
-          <a:p>
-            <a:pPr marL="0" indent="0">
-              <a:buNone/>
-            </a:pPr>
-            <a:r>
-              <a:rPr lang="en-US" dirty="0"/>
-              <a:t>This website allows you to check the weather and create an itinerary, including both food and entertainment, accordingly.</a:t>
-            </a:r>
-            <a:endParaRPr b="1" dirty="0"/>
-          </a:p>
-        </p:txBody>
-      </p:sp>
-      <p:sp>
-        <p:nvSpPr>
-          <p:cNvPr id="102" name="Google Shape;102;p14"/>
-          <p:cNvSpPr txBox="1">
-            <a:spLocks noGrp="1"/>
-          </p:cNvSpPr>
-          <p:nvPr>
-            <p:ph type="sldNum" idx="12"/>
-          </p:nvPr>
-        </p:nvSpPr>
-        <p:spPr>
-          <a:xfrm>
-            <a:off x="457200" y="4189182"/>
-            <a:ext cx="548700" cy="544500"/>
-          </a:xfrm>
-          <a:prstGeom prst="rect">
-            <a:avLst/>
-          </a:prstGeom>
-        </p:spPr>
-        <p:txBody>
-          <a:bodyPr spcFirstLastPara="1" wrap="square" lIns="91425" tIns="91425" rIns="91425" bIns="91425" anchor="b" anchorCtr="0">
-            <a:noAutofit/>
-          </a:bodyPr>
-          <a:lstStyle/>
-          <a:p>
-            <a:pPr marL="0" lvl="0" indent="0" algn="l" rtl="0">
-              <a:spcBef>
-                <a:spcPts val="0"/>
-              </a:spcBef>
-              <a:spcAft>
-                <a:spcPts val="0"/>
-              </a:spcAft>
-              <a:buNone/>
-            </a:pPr>
-            <a:fld id="{00000000-1234-1234-1234-123412341234}" type="slidenum">
-              <a:rPr lang="en">
-                <a:latin typeface="Raleway"/>
-                <a:ea typeface="Raleway"/>
-                <a:cs typeface="Raleway"/>
-                <a:sym typeface="Raleway"/>
-              </a:rPr>
-              <a:t>3</a:t>
-            </a:fld>
-            <a:endParaRPr>
-              <a:latin typeface="Raleway"/>
-              <a:ea typeface="Raleway"/>
-              <a:cs typeface="Raleway"/>
-              <a:sym typeface="Raleway"/>
-            </a:endParaRPr>
-          </a:p>
-        </p:txBody>
-      </p:sp>
-    </p:spTree>
-  </p:cSld>
-  <p:clrMapOvr>
-    <a:masterClrMapping/>
-  </p:clrMapOvr>
-</p:sld>
-</file>
-
-<file path=ppt/slides/slide4.xml><?xml version="1.0" encoding="utf-8"?>
-<p:sld xmlns:a="http://schemas.openxmlformats.org/drawingml/2006/main" xmlns:r="http://schemas.openxmlformats.org/officeDocument/2006/relationships" xmlns:p="http://schemas.openxmlformats.org/presentationml/2006/main">
-  <p:cSld>
-    <p:spTree>
-      <p:nvGrpSpPr>
-        <p:cNvPr id="1" name="Shape 111"/>
-        <p:cNvGrpSpPr/>
-        <p:nvPr/>
-      </p:nvGrpSpPr>
-      <p:grpSpPr>
-        <a:xfrm>
-          <a:off x="0" y="0"/>
-          <a:ext cx="0" cy="0"/>
-          <a:chOff x="0" y="0"/>
-          <a:chExt cx="0" cy="0"/>
-        </a:xfrm>
-      </p:grpSpPr>
-      <p:sp>
-        <p:nvSpPr>
-          <p:cNvPr id="112" name="Google Shape;112;p15"/>
-          <p:cNvSpPr txBox="1">
-            <a:spLocks noGrp="1"/>
-          </p:cNvSpPr>
-          <p:nvPr>
-            <p:ph type="title"/>
-          </p:nvPr>
-        </p:nvSpPr>
-        <p:spPr>
-          <a:prstGeom prst="rect">
-            <a:avLst/>
-          </a:prstGeom>
-        </p:spPr>
-        <p:txBody>
-          <a:bodyPr spcFirstLastPara="1" wrap="square" lIns="91425" tIns="91425" rIns="91425" bIns="91425" anchor="t" anchorCtr="0">
-            <a:noAutofit/>
-          </a:bodyPr>
-          <a:lstStyle/>
-          <a:p>
-            <a:pPr marL="0" lvl="0" indent="0" algn="l" rtl="0">
-              <a:spcBef>
-                <a:spcPts val="0"/>
-              </a:spcBef>
-              <a:spcAft>
-                <a:spcPts val="0"/>
-              </a:spcAft>
-              <a:buNone/>
-            </a:pPr>
-            <a:r>
-              <a:rPr lang="en-US" sz="2000" dirty="0">
-                <a:latin typeface="Raleway" panose="020B0604020202020204" charset="0"/>
-              </a:rPr>
-              <a:t>Motivation</a:t>
-            </a:r>
-            <a:endParaRPr sz="2000" dirty="0">
-              <a:latin typeface="Raleway" panose="020B0604020202020204" charset="0"/>
-            </a:endParaRPr>
-          </a:p>
-        </p:txBody>
-      </p:sp>
-      <p:sp>
-        <p:nvSpPr>
-          <p:cNvPr id="113" name="Google Shape;113;p15"/>
-          <p:cNvSpPr txBox="1">
-            <a:spLocks noGrp="1"/>
-          </p:cNvSpPr>
-          <p:nvPr>
-            <p:ph type="body" idx="1"/>
-          </p:nvPr>
-        </p:nvSpPr>
-        <p:spPr>
-          <a:xfrm>
-            <a:off x="2743200" y="1424763"/>
-            <a:ext cx="5721250" cy="3268762"/>
-          </a:xfrm>
-          <a:prstGeom prst="rect">
-            <a:avLst/>
-          </a:prstGeom>
-        </p:spPr>
-        <p:txBody>
-          <a:bodyPr spcFirstLastPara="1" wrap="square" lIns="91425" tIns="91425" rIns="91425" bIns="91425" anchor="t" anchorCtr="0">
-            <a:noAutofit/>
-          </a:bodyPr>
-          <a:lstStyle/>
-          <a:p>
-            <a:pPr marL="0" lvl="0" indent="0" algn="l" rtl="0">
-              <a:spcBef>
-                <a:spcPts val="0"/>
-              </a:spcBef>
-              <a:spcAft>
-                <a:spcPts val="0"/>
-              </a:spcAft>
-              <a:buNone/>
-            </a:pPr>
-            <a:r>
-              <a:rPr lang="en-US" dirty="0"/>
-              <a:t>Orlando is a big city and continues to expand every year.</a:t>
-            </a:r>
-          </a:p>
-          <a:p>
-            <a:pPr marL="0" lvl="0" indent="0" algn="l" rtl="0">
-              <a:spcBef>
-                <a:spcPts val="0"/>
-              </a:spcBef>
-              <a:spcAft>
-                <a:spcPts val="0"/>
-              </a:spcAft>
-              <a:buNone/>
-            </a:pPr>
-            <a:r>
-              <a:rPr lang="en-US" dirty="0"/>
-              <a:t>Tourists from all over the world come to experience what our great city has to offer.</a:t>
-            </a:r>
-          </a:p>
-          <a:p>
-            <a:pPr marL="0" lvl="0" indent="0" algn="l" rtl="0">
-              <a:spcBef>
-                <a:spcPts val="0"/>
-              </a:spcBef>
-              <a:spcAft>
-                <a:spcPts val="0"/>
-              </a:spcAft>
-              <a:buNone/>
-            </a:pPr>
-            <a:r>
-              <a:rPr lang="en-US" dirty="0"/>
-              <a:t>We wanted to give them an easy-to-use website to make the most of their visit.</a:t>
-            </a:r>
-            <a:endParaRPr dirty="0"/>
-          </a:p>
-        </p:txBody>
-      </p:sp>
-    </p:spTree>
-  </p:cSld>
-  <p:clrMapOvr>
-    <a:masterClrMapping/>
-  </p:clrMapOvr>
-</p:sld>
-</file>
-
-<file path=ppt/slides/slide5.xml><?xml version="1.0" encoding="utf-8"?>
+<file path=ppt/slides/slide6.xml><?xml version="1.0" encoding="utf-8"?>
 <p:sld xmlns:a="http://schemas.openxmlformats.org/drawingml/2006/main" xmlns:r="http://schemas.openxmlformats.org/officeDocument/2006/relationships" xmlns:p="http://schemas.openxmlformats.org/presentationml/2006/main">
   <p:cSld>
     <p:spTree>
@@ -5825,7 +5988,7 @@
             </a:pPr>
             <a:fld id="{00000000-1234-1234-1234-123412341234}" type="slidenum">
               <a:rPr lang="en"/>
-              <a:t>5</a:t>
+              <a:t>6</a:t>
             </a:fld>
             <a:endParaRPr/>
           </a:p>
@@ -5839,7 +6002,7 @@
 </p:sld>
 </file>
 
-<file path=ppt/slides/slide6.xml><?xml version="1.0" encoding="utf-8"?>
+<file path=ppt/slides/slide7.xml><?xml version="1.0" encoding="utf-8"?>
 <p:sld xmlns:a="http://schemas.openxmlformats.org/drawingml/2006/main" xmlns:r="http://schemas.openxmlformats.org/officeDocument/2006/relationships" xmlns:p="http://schemas.openxmlformats.org/presentationml/2006/main">
   <p:cSld>
     <p:spTree>
@@ -5965,7 +6128,7 @@
             </a:pPr>
             <a:fld id="{00000000-1234-1234-1234-123412341234}" type="slidenum">
               <a:rPr lang="en" smtClean="0"/>
-              <a:t>6</a:t>
+              <a:t>7</a:t>
             </a:fld>
             <a:endParaRPr lang="en"/>
           </a:p>
@@ -5984,7 +6147,7 @@
 </p:sld>
 </file>
 
-<file path=ppt/slides/slide7.xml><?xml version="1.0" encoding="utf-8"?>
+<file path=ppt/slides/slide8.xml><?xml version="1.0" encoding="utf-8"?>
 <p:sld xmlns:a="http://schemas.openxmlformats.org/drawingml/2006/main" xmlns:r="http://schemas.openxmlformats.org/officeDocument/2006/relationships" xmlns:p="http://schemas.openxmlformats.org/presentationml/2006/main">
   <p:cSld>
     <p:spTree>
@@ -6126,7 +6289,7 @@
             </a:pPr>
             <a:fld id="{00000000-1234-1234-1234-123412341234}" type="slidenum">
               <a:rPr lang="en"/>
-              <a:t>7</a:t>
+              <a:t>8</a:t>
             </a:fld>
             <a:endParaRPr/>
           </a:p>
@@ -6140,7 +6303,7 @@
 </p:sld>
 </file>
 
-<file path=ppt/slides/slide8.xml><?xml version="1.0" encoding="utf-8"?>
+<file path=ppt/slides/slide9.xml><?xml version="1.0" encoding="utf-8"?>
 <p:sld xmlns:a="http://schemas.openxmlformats.org/drawingml/2006/main" xmlns:r="http://schemas.openxmlformats.org/officeDocument/2006/relationships" xmlns:p="http://schemas.openxmlformats.org/presentationml/2006/main">
   <p:cSld>
     <p:spTree>
@@ -6284,164 +6447,6 @@
             </a:pPr>
             <a:fld id="{00000000-1234-1234-1234-123412341234}" type="slidenum">
               <a:rPr lang="en"/>
-              <a:t>8</a:t>
-            </a:fld>
-            <a:endParaRPr/>
-          </a:p>
-        </p:txBody>
-      </p:sp>
-    </p:spTree>
-  </p:cSld>
-  <p:clrMapOvr>
-    <a:masterClrMapping/>
-  </p:clrMapOvr>
-</p:sld>
-</file>
-
-<file path=ppt/slides/slide9.xml><?xml version="1.0" encoding="utf-8"?>
-<p:sld xmlns:a="http://schemas.openxmlformats.org/drawingml/2006/main" xmlns:r="http://schemas.openxmlformats.org/officeDocument/2006/relationships" xmlns:p="http://schemas.openxmlformats.org/presentationml/2006/main">
-  <p:cSld>
-    <p:spTree>
-      <p:nvGrpSpPr>
-        <p:cNvPr id="1" name="Shape 146"/>
-        <p:cNvGrpSpPr/>
-        <p:nvPr/>
-      </p:nvGrpSpPr>
-      <p:grpSpPr>
-        <a:xfrm>
-          <a:off x="0" y="0"/>
-          <a:ext cx="0" cy="0"/>
-          <a:chOff x="0" y="0"/>
-          <a:chExt cx="0" cy="0"/>
-        </a:xfrm>
-      </p:grpSpPr>
-      <p:sp>
-        <p:nvSpPr>
-          <p:cNvPr id="147" name="Google Shape;147;p18"/>
-          <p:cNvSpPr txBox="1">
-            <a:spLocks noGrp="1"/>
-          </p:cNvSpPr>
-          <p:nvPr>
-            <p:ph type="title"/>
-          </p:nvPr>
-        </p:nvSpPr>
-        <p:spPr>
-          <a:xfrm>
-            <a:off x="457199" y="1146025"/>
-            <a:ext cx="2466753" cy="816300"/>
-          </a:xfrm>
-          <a:prstGeom prst="rect">
-            <a:avLst/>
-          </a:prstGeom>
-        </p:spPr>
-        <p:txBody>
-          <a:bodyPr spcFirstLastPara="1" wrap="square" lIns="91425" tIns="91425" rIns="91425" bIns="91425" anchor="t" anchorCtr="0">
-            <a:noAutofit/>
-          </a:bodyPr>
-          <a:lstStyle/>
-          <a:p>
-            <a:pPr marL="0" lvl="0" indent="0" algn="l" rtl="0">
-              <a:spcBef>
-                <a:spcPts val="0"/>
-              </a:spcBef>
-              <a:spcAft>
-                <a:spcPts val="0"/>
-              </a:spcAft>
-              <a:buNone/>
-            </a:pPr>
-            <a:r>
-              <a:rPr lang="en-US" sz="2000" dirty="0">
-                <a:latin typeface="Raleway" panose="020B0604020202020204" charset="0"/>
-              </a:rPr>
-              <a:t>The Design</a:t>
-            </a:r>
-            <a:br>
-              <a:rPr lang="en-US" sz="2000" dirty="0">
-                <a:latin typeface="Raleway" panose="020B0604020202020204" charset="0"/>
-              </a:rPr>
-            </a:br>
-            <a:r>
-              <a:rPr lang="en-US" sz="2000" dirty="0">
-                <a:latin typeface="Raleway" panose="020B0604020202020204" charset="0"/>
-              </a:rPr>
-              <a:t>Process</a:t>
-            </a:r>
-            <a:endParaRPr sz="2000" dirty="0">
-              <a:latin typeface="Raleway" panose="020B0604020202020204" charset="0"/>
-            </a:endParaRPr>
-          </a:p>
-        </p:txBody>
-      </p:sp>
-      <p:sp>
-        <p:nvSpPr>
-          <p:cNvPr id="148" name="Google Shape;148;p18"/>
-          <p:cNvSpPr txBox="1">
-            <a:spLocks noGrp="1"/>
-          </p:cNvSpPr>
-          <p:nvPr>
-            <p:ph type="body" idx="1"/>
-          </p:nvPr>
-        </p:nvSpPr>
-        <p:spPr>
-          <a:xfrm>
-            <a:off x="2923952" y="2571749"/>
-            <a:ext cx="5540497" cy="2121775"/>
-          </a:xfrm>
-          <a:prstGeom prst="rect">
-            <a:avLst/>
-          </a:prstGeom>
-        </p:spPr>
-        <p:txBody>
-          <a:bodyPr spcFirstLastPara="1" wrap="square" lIns="91425" tIns="91425" rIns="91425" bIns="91425" anchor="t" anchorCtr="0">
-            <a:noAutofit/>
-          </a:bodyPr>
-          <a:lstStyle/>
-          <a:p>
-            <a:pPr marL="0" lvl="0" indent="0">
-              <a:buNone/>
-            </a:pPr>
-            <a:r>
-              <a:rPr lang="en-US" dirty="0">
-                <a:latin typeface="Raleway" panose="020B0604020202020204" charset="0"/>
-              </a:rPr>
-              <a:t>JavaScript | Modal</a:t>
-            </a:r>
-            <a:endParaRPr dirty="0"/>
-          </a:p>
-        </p:txBody>
-      </p:sp>
-      <p:sp>
-        <p:nvSpPr>
-          <p:cNvPr id="149" name="Google Shape;149;p18"/>
-          <p:cNvSpPr txBox="1">
-            <a:spLocks noGrp="1"/>
-          </p:cNvSpPr>
-          <p:nvPr>
-            <p:ph type="sldNum" idx="12"/>
-          </p:nvPr>
-        </p:nvSpPr>
-        <p:spPr>
-          <a:prstGeom prst="rect">
-            <a:avLst/>
-          </a:prstGeom>
-        </p:spPr>
-        <p:txBody>
-          <a:bodyPr spcFirstLastPara="1" wrap="square" lIns="91425" tIns="91425" rIns="91425" bIns="91425" anchor="b" anchorCtr="0">
-            <a:noAutofit/>
-          </a:bodyPr>
-          <a:lstStyle/>
-          <a:p>
-            <a:pPr marL="0" lvl="0" indent="0" algn="l" rtl="0">
-              <a:spcBef>
-                <a:spcPts val="0"/>
-              </a:spcBef>
-              <a:spcAft>
-                <a:spcPts val="0"/>
-              </a:spcAft>
-              <a:buNone/>
-            </a:pPr>
-            <a:fld id="{00000000-1234-1234-1234-123412341234}" type="slidenum">
-              <a:rPr lang="en"/>
               <a:t>9</a:t>
             </a:fld>
             <a:endParaRPr/>
@@ -6449,11 +6454,6 @@
         </p:txBody>
       </p:sp>
     </p:spTree>
-    <p:extLst>
-      <p:ext uri="{BB962C8B-B14F-4D97-AF65-F5344CB8AC3E}">
-        <p14:creationId xmlns:p14="http://schemas.microsoft.com/office/powerpoint/2010/main" val="267427859"/>
-      </p:ext>
-    </p:extLst>
   </p:cSld>
   <p:clrMapOvr>
     <a:masterClrMapping/>
